--- a/Moppa 3.pptx
+++ b/Moppa 3.pptx
@@ -273,7 +273,7 @@
           <a:p>
             <a:fld id="{FE5B4EDC-59C0-49C7-8ADA-5A781B329E02}" type="datetimeFigureOut">
               <a:rPr lang="pl-PL" smtClean="0"/>
-              <a:t>20.11.2015</a:t>
+              <a:t>04.12.2015</a:t>
             </a:fld>
             <a:endParaRPr lang="pl-PL" dirty="0"/>
           </a:p>
@@ -438,7 +438,7 @@
           <a:p>
             <a:fld id="{F2D8D46A-B586-417D-BFBD-8C8FE0AAF762}" type="datetimeFigureOut">
               <a:rPr lang="pl-PL" smtClean="0"/>
-              <a:t>20.11.2015</a:t>
+              <a:t>04.12.2015</a:t>
             </a:fld>
             <a:endParaRPr lang="pl-PL" dirty="0"/>
           </a:p>
@@ -2174,7 +2174,7 @@
           <a:p>
             <a:fld id="{F0DFD029-FB74-4578-B929-F66AA97659CA}" type="datetimeFigureOut">
               <a:rPr lang="pl-PL" noProof="0" smtClean="0"/>
-              <a:t>20.11.2015</a:t>
+              <a:t>04.12.2015</a:t>
             </a:fld>
             <a:endParaRPr lang="pl-PL" noProof="0" dirty="0"/>
           </a:p>
@@ -2379,7 +2379,7 @@
           <a:p>
             <a:fld id="{F0DFD029-FB74-4578-B929-F66AA97659CA}" type="datetimeFigureOut">
               <a:rPr lang="pl-PL" noProof="0" smtClean="0"/>
-              <a:t>20.11.2015</a:t>
+              <a:t>04.12.2015</a:t>
             </a:fld>
             <a:endParaRPr lang="pl-PL" noProof="0" dirty="0"/>
           </a:p>
@@ -2594,7 +2594,7 @@
           <a:p>
             <a:fld id="{F0DFD029-FB74-4578-B929-F66AA97659CA}" type="datetimeFigureOut">
               <a:rPr lang="pl-PL" noProof="0" smtClean="0"/>
-              <a:t>20.11.2015</a:t>
+              <a:t>04.12.2015</a:t>
             </a:fld>
             <a:endParaRPr lang="pl-PL" noProof="0" dirty="0"/>
           </a:p>
@@ -2799,7 +2799,7 @@
           <a:p>
             <a:fld id="{F0DFD029-FB74-4578-B929-F66AA97659CA}" type="datetimeFigureOut">
               <a:rPr lang="pl-PL" noProof="0" smtClean="0"/>
-              <a:t>20.11.2015</a:t>
+              <a:t>04.12.2015</a:t>
             </a:fld>
             <a:endParaRPr lang="pl-PL" noProof="0" dirty="0"/>
           </a:p>
@@ -3069,7 +3069,7 @@
           <a:p>
             <a:fld id="{F0DFD029-FB74-4578-B929-F66AA97659CA}" type="datetimeFigureOut">
               <a:rPr lang="pl-PL" noProof="0" smtClean="0"/>
-              <a:t>20.11.2015</a:t>
+              <a:t>04.12.2015</a:t>
             </a:fld>
             <a:endParaRPr lang="pl-PL" noProof="0" dirty="0"/>
           </a:p>
@@ -3554,7 +3554,7 @@
           <a:p>
             <a:fld id="{F0DFD029-FB74-4578-B929-F66AA97659CA}" type="datetimeFigureOut">
               <a:rPr lang="pl-PL" noProof="0" smtClean="0"/>
-              <a:t>20.11.2015</a:t>
+              <a:t>04.12.2015</a:t>
             </a:fld>
             <a:endParaRPr lang="pl-PL" noProof="0" dirty="0"/>
           </a:p>
@@ -4022,7 +4022,7 @@
           <a:p>
             <a:fld id="{F0DFD029-FB74-4578-B929-F66AA97659CA}" type="datetimeFigureOut">
               <a:rPr lang="pl-PL" noProof="0" smtClean="0"/>
-              <a:t>20.11.2015</a:t>
+              <a:t>04.12.2015</a:t>
             </a:fld>
             <a:endParaRPr lang="pl-PL" noProof="0" dirty="0"/>
           </a:p>
@@ -4159,7 +4159,7 @@
           <a:p>
             <a:fld id="{F0DFD029-FB74-4578-B929-F66AA97659CA}" type="datetimeFigureOut">
               <a:rPr lang="pl-PL" noProof="0" smtClean="0"/>
-              <a:t>20.11.2015</a:t>
+              <a:t>04.12.2015</a:t>
             </a:fld>
             <a:endParaRPr lang="pl-PL" noProof="0" dirty="0"/>
           </a:p>
@@ -4273,7 +4273,7 @@
           <a:p>
             <a:fld id="{F0DFD029-FB74-4578-B929-F66AA97659CA}" type="datetimeFigureOut">
               <a:rPr lang="pl-PL" noProof="0" smtClean="0"/>
-              <a:t>20.11.2015</a:t>
+              <a:t>04.12.2015</a:t>
             </a:fld>
             <a:endParaRPr lang="pl-PL" noProof="0" dirty="0"/>
           </a:p>
@@ -4579,7 +4579,7 @@
           <a:p>
             <a:fld id="{F0DFD029-FB74-4578-B929-F66AA97659CA}" type="datetimeFigureOut">
               <a:rPr lang="pl-PL" noProof="0" smtClean="0"/>
-              <a:t>20.11.2015</a:t>
+              <a:t>04.12.2015</a:t>
             </a:fld>
             <a:endParaRPr lang="pl-PL" noProof="0" dirty="0"/>
           </a:p>
@@ -4874,7 +4874,7 @@
           <a:p>
             <a:fld id="{F0DFD029-FB74-4578-B929-F66AA97659CA}" type="datetimeFigureOut">
               <a:rPr lang="pl-PL" noProof="0" smtClean="0"/>
-              <a:t>20.11.2015</a:t>
+              <a:t>04.12.2015</a:t>
             </a:fld>
             <a:endParaRPr lang="pl-PL" noProof="0" dirty="0"/>
           </a:p>
@@ -5504,7 +5504,7 @@
             <a:fld id="{F0DFD029-FB74-4578-B929-F66AA97659CA}" type="datetimeFigureOut">
               <a:rPr lang="pl-PL" noProof="0" smtClean="0"/>
               <a:pPr/>
-              <a:t>20.11.2015</a:t>
+              <a:t>04.12.2015</a:t>
             </a:fld>
             <a:endParaRPr lang="pl-PL" noProof="0" dirty="0"/>
           </a:p>
@@ -6222,42 +6222,42 @@
                 <a:gridCol w="1726671">
                   <a:extLst>
                     <a:ext uri="{9D8B030D-6E8A-4147-A177-3AD203B41FA5}">
-                      <a16:colId xmlns="" xmlns:a16="http://schemas.microsoft.com/office/drawing/2014/main" val="20000"/>
+                      <a16:colId xmlns:a16="http://schemas.microsoft.com/office/drawing/2014/main" xmlns="" val="20000"/>
                     </a:ext>
                   </a:extLst>
                 </a:gridCol>
                 <a:gridCol w="1726671">
                   <a:extLst>
                     <a:ext uri="{9D8B030D-6E8A-4147-A177-3AD203B41FA5}">
-                      <a16:colId xmlns="" xmlns:a16="http://schemas.microsoft.com/office/drawing/2014/main" val="20001"/>
+                      <a16:colId xmlns:a16="http://schemas.microsoft.com/office/drawing/2014/main" xmlns="" val="20001"/>
                     </a:ext>
                   </a:extLst>
                 </a:gridCol>
                 <a:gridCol w="1726671">
                   <a:extLst>
                     <a:ext uri="{9D8B030D-6E8A-4147-A177-3AD203B41FA5}">
-                      <a16:colId xmlns="" xmlns:a16="http://schemas.microsoft.com/office/drawing/2014/main" val="20002"/>
+                      <a16:colId xmlns:a16="http://schemas.microsoft.com/office/drawing/2014/main" xmlns="" val="20002"/>
                     </a:ext>
                   </a:extLst>
                 </a:gridCol>
                 <a:gridCol w="1423391">
                   <a:extLst>
                     <a:ext uri="{9D8B030D-6E8A-4147-A177-3AD203B41FA5}">
-                      <a16:colId xmlns="" xmlns:a16="http://schemas.microsoft.com/office/drawing/2014/main" val="20003"/>
+                      <a16:colId xmlns:a16="http://schemas.microsoft.com/office/drawing/2014/main" xmlns="" val="20003"/>
                     </a:ext>
                   </a:extLst>
                 </a:gridCol>
                 <a:gridCol w="2029951">
                   <a:extLst>
                     <a:ext uri="{9D8B030D-6E8A-4147-A177-3AD203B41FA5}">
-                      <a16:colId xmlns="" xmlns:a16="http://schemas.microsoft.com/office/drawing/2014/main" val="20004"/>
+                      <a16:colId xmlns:a16="http://schemas.microsoft.com/office/drawing/2014/main" xmlns="" val="20004"/>
                     </a:ext>
                   </a:extLst>
                 </a:gridCol>
                 <a:gridCol w="1726671">
                   <a:extLst>
                     <a:ext uri="{9D8B030D-6E8A-4147-A177-3AD203B41FA5}">
-                      <a16:colId xmlns="" xmlns:a16="http://schemas.microsoft.com/office/drawing/2014/main" val="20005"/>
+                      <a16:colId xmlns:a16="http://schemas.microsoft.com/office/drawing/2014/main" xmlns="" val="20005"/>
                     </a:ext>
                   </a:extLst>
                 </a:gridCol>
@@ -6413,7 +6413,7 @@
                 </a:tc>
                 <a:extLst>
                   <a:ext uri="{0D108BD9-81ED-4DB2-BD59-A6C34878D82A}">
-                    <a16:rowId xmlns="" xmlns:a16="http://schemas.microsoft.com/office/drawing/2014/main" val="10000"/>
+                    <a16:rowId xmlns:a16="http://schemas.microsoft.com/office/drawing/2014/main" xmlns="" val="10000"/>
                   </a:ext>
                 </a:extLst>
               </a:tr>
@@ -6524,7 +6524,7 @@
                 </a:tc>
                 <a:extLst>
                   <a:ext uri="{0D108BD9-81ED-4DB2-BD59-A6C34878D82A}">
-                    <a16:rowId xmlns="" xmlns:a16="http://schemas.microsoft.com/office/drawing/2014/main" val="10001"/>
+                    <a16:rowId xmlns:a16="http://schemas.microsoft.com/office/drawing/2014/main" xmlns="" val="10001"/>
                   </a:ext>
                 </a:extLst>
               </a:tr>
@@ -6627,7 +6627,7 @@
                 </a:tc>
                 <a:extLst>
                   <a:ext uri="{0D108BD9-81ED-4DB2-BD59-A6C34878D82A}">
-                    <a16:rowId xmlns="" xmlns:a16="http://schemas.microsoft.com/office/drawing/2014/main" val="10002"/>
+                    <a16:rowId xmlns:a16="http://schemas.microsoft.com/office/drawing/2014/main" xmlns="" val="10002"/>
                   </a:ext>
                 </a:extLst>
               </a:tr>
@@ -6791,7 +6791,12 @@
             <p:ph type="title"/>
           </p:nvPr>
         </p:nvSpPr>
-        <p:spPr/>
+        <p:spPr>
+          <a:xfrm>
+            <a:off x="1219200" y="116632"/>
+            <a:ext cx="10360501" cy="1427163"/>
+          </a:xfrm>
+        </p:spPr>
         <p:txBody>
           <a:bodyPr>
             <a:normAutofit fontScale="90000"/>
@@ -6862,7 +6867,7 @@
             <p:ph idx="1"/>
             <p:extLst>
               <p:ext uri="{D42A27DB-BD31-4B8C-83A1-F6EECF244321}">
-                <p14:modId xmlns:p14="http://schemas.microsoft.com/office/powerpoint/2010/main" val="3198333377"/>
+                <p14:modId xmlns:p14="http://schemas.microsoft.com/office/powerpoint/2010/main" val="3730171236"/>
               </p:ext>
             </p:extLst>
           </p:nvPr>
@@ -6881,42 +6886,42 @@
                 <a:gridCol w="1562844">
                   <a:extLst>
                     <a:ext uri="{9D8B030D-6E8A-4147-A177-3AD203B41FA5}">
-                      <a16:colId xmlns="" xmlns:a16="http://schemas.microsoft.com/office/drawing/2014/main" val="20000"/>
+                      <a16:colId xmlns:a16="http://schemas.microsoft.com/office/drawing/2014/main" xmlns="" val="20000"/>
                     </a:ext>
                   </a:extLst>
                 </a:gridCol>
                 <a:gridCol w="1890498">
                   <a:extLst>
                     <a:ext uri="{9D8B030D-6E8A-4147-A177-3AD203B41FA5}">
-                      <a16:colId xmlns="" xmlns:a16="http://schemas.microsoft.com/office/drawing/2014/main" val="20001"/>
+                      <a16:colId xmlns:a16="http://schemas.microsoft.com/office/drawing/2014/main" xmlns="" val="20001"/>
+                    </a:ext>
+                  </a:extLst>
+                </a:gridCol>
+                <a:gridCol w="1709902">
+                  <a:extLst>
+                    <a:ext uri="{9D8B030D-6E8A-4147-A177-3AD203B41FA5}">
+                      <a16:colId xmlns:a16="http://schemas.microsoft.com/office/drawing/2014/main" xmlns="" val="20002"/>
+                    </a:ext>
+                  </a:extLst>
+                </a:gridCol>
+                <a:gridCol w="1743440">
+                  <a:extLst>
+                    <a:ext uri="{9D8B030D-6E8A-4147-A177-3AD203B41FA5}">
+                      <a16:colId xmlns:a16="http://schemas.microsoft.com/office/drawing/2014/main" xmlns="" val="20003"/>
                     </a:ext>
                   </a:extLst>
                 </a:gridCol>
                 <a:gridCol w="1726671">
                   <a:extLst>
                     <a:ext uri="{9D8B030D-6E8A-4147-A177-3AD203B41FA5}">
-                      <a16:colId xmlns="" xmlns:a16="http://schemas.microsoft.com/office/drawing/2014/main" val="20002"/>
+                      <a16:colId xmlns:a16="http://schemas.microsoft.com/office/drawing/2014/main" xmlns="" val="20004"/>
                     </a:ext>
                   </a:extLst>
                 </a:gridCol>
                 <a:gridCol w="1726671">
                   <a:extLst>
                     <a:ext uri="{9D8B030D-6E8A-4147-A177-3AD203B41FA5}">
-                      <a16:colId xmlns="" xmlns:a16="http://schemas.microsoft.com/office/drawing/2014/main" val="20003"/>
-                    </a:ext>
-                  </a:extLst>
-                </a:gridCol>
-                <a:gridCol w="1726671">
-                  <a:extLst>
-                    <a:ext uri="{9D8B030D-6E8A-4147-A177-3AD203B41FA5}">
-                      <a16:colId xmlns="" xmlns:a16="http://schemas.microsoft.com/office/drawing/2014/main" val="20004"/>
-                    </a:ext>
-                  </a:extLst>
-                </a:gridCol>
-                <a:gridCol w="1726671">
-                  <a:extLst>
-                    <a:ext uri="{9D8B030D-6E8A-4147-A177-3AD203B41FA5}">
-                      <a16:colId xmlns="" xmlns:a16="http://schemas.microsoft.com/office/drawing/2014/main" val="20005"/>
+                      <a16:colId xmlns:a16="http://schemas.microsoft.com/office/drawing/2014/main" xmlns="" val="20005"/>
                     </a:ext>
                   </a:extLst>
                 </a:gridCol>
@@ -7072,7 +7077,7 @@
                 </a:tc>
                 <a:extLst>
                   <a:ext uri="{0D108BD9-81ED-4DB2-BD59-A6C34878D82A}">
-                    <a16:rowId xmlns="" xmlns:a16="http://schemas.microsoft.com/office/drawing/2014/main" val="10000"/>
+                    <a16:rowId xmlns:a16="http://schemas.microsoft.com/office/drawing/2014/main" xmlns="" val="10000"/>
                   </a:ext>
                 </a:extLst>
               </a:tr>
@@ -7205,7 +7210,7 @@
                 </a:tc>
                 <a:extLst>
                   <a:ext uri="{0D108BD9-81ED-4DB2-BD59-A6C34878D82A}">
-                    <a16:rowId xmlns="" xmlns:a16="http://schemas.microsoft.com/office/drawing/2014/main" val="10001"/>
+                    <a16:rowId xmlns:a16="http://schemas.microsoft.com/office/drawing/2014/main" xmlns="" val="10001"/>
                   </a:ext>
                 </a:extLst>
               </a:tr>
@@ -7290,7 +7295,7 @@
                 </a:tc>
                 <a:extLst>
                   <a:ext uri="{0D108BD9-81ED-4DB2-BD59-A6C34878D82A}">
-                    <a16:rowId xmlns="" xmlns:a16="http://schemas.microsoft.com/office/drawing/2014/main" val="10002"/>
+                    <a16:rowId xmlns:a16="http://schemas.microsoft.com/office/drawing/2014/main" xmlns="" val="10002"/>
                   </a:ext>
                 </a:extLst>
               </a:tr>
@@ -7458,7 +7463,7 @@
                 </a:tc>
                 <a:extLst>
                   <a:ext uri="{0D108BD9-81ED-4DB2-BD59-A6C34878D82A}">
-                    <a16:rowId xmlns="" xmlns:a16="http://schemas.microsoft.com/office/drawing/2014/main" val="10003"/>
+                    <a16:rowId xmlns:a16="http://schemas.microsoft.com/office/drawing/2014/main" xmlns="" val="10003"/>
                   </a:ext>
                 </a:extLst>
               </a:tr>
@@ -7598,7 +7603,7 @@
                 </a:tc>
                 <a:extLst>
                   <a:ext uri="{0D108BD9-81ED-4DB2-BD59-A6C34878D82A}">
-                    <a16:rowId xmlns="" xmlns:a16="http://schemas.microsoft.com/office/drawing/2014/main" val="10004"/>
+                    <a16:rowId xmlns:a16="http://schemas.microsoft.com/office/drawing/2014/main" xmlns="" val="10004"/>
                   </a:ext>
                 </a:extLst>
               </a:tr>
@@ -7977,42 +7982,42 @@
                 <a:gridCol w="1562844">
                   <a:extLst>
                     <a:ext uri="{9D8B030D-6E8A-4147-A177-3AD203B41FA5}">
-                      <a16:colId xmlns="" xmlns:a16="http://schemas.microsoft.com/office/drawing/2014/main" val="20000"/>
+                      <a16:colId xmlns:a16="http://schemas.microsoft.com/office/drawing/2014/main" xmlns="" val="20000"/>
                     </a:ext>
                   </a:extLst>
                 </a:gridCol>
                 <a:gridCol w="1890498">
                   <a:extLst>
                     <a:ext uri="{9D8B030D-6E8A-4147-A177-3AD203B41FA5}">
-                      <a16:colId xmlns="" xmlns:a16="http://schemas.microsoft.com/office/drawing/2014/main" val="20001"/>
+                      <a16:colId xmlns:a16="http://schemas.microsoft.com/office/drawing/2014/main" xmlns="" val="20001"/>
                     </a:ext>
                   </a:extLst>
                 </a:gridCol>
                 <a:gridCol w="1726671">
                   <a:extLst>
                     <a:ext uri="{9D8B030D-6E8A-4147-A177-3AD203B41FA5}">
-                      <a16:colId xmlns="" xmlns:a16="http://schemas.microsoft.com/office/drawing/2014/main" val="20002"/>
+                      <a16:colId xmlns:a16="http://schemas.microsoft.com/office/drawing/2014/main" xmlns="" val="20002"/>
                     </a:ext>
                   </a:extLst>
                 </a:gridCol>
                 <a:gridCol w="1726671">
                   <a:extLst>
                     <a:ext uri="{9D8B030D-6E8A-4147-A177-3AD203B41FA5}">
-                      <a16:colId xmlns="" xmlns:a16="http://schemas.microsoft.com/office/drawing/2014/main" val="20003"/>
+                      <a16:colId xmlns:a16="http://schemas.microsoft.com/office/drawing/2014/main" xmlns="" val="20003"/>
                     </a:ext>
                   </a:extLst>
                 </a:gridCol>
                 <a:gridCol w="1726671">
                   <a:extLst>
                     <a:ext uri="{9D8B030D-6E8A-4147-A177-3AD203B41FA5}">
-                      <a16:colId xmlns="" xmlns:a16="http://schemas.microsoft.com/office/drawing/2014/main" val="20004"/>
+                      <a16:colId xmlns:a16="http://schemas.microsoft.com/office/drawing/2014/main" xmlns="" val="20004"/>
                     </a:ext>
                   </a:extLst>
                 </a:gridCol>
                 <a:gridCol w="1726671">
                   <a:extLst>
                     <a:ext uri="{9D8B030D-6E8A-4147-A177-3AD203B41FA5}">
-                      <a16:colId xmlns="" xmlns:a16="http://schemas.microsoft.com/office/drawing/2014/main" val="20005"/>
+                      <a16:colId xmlns:a16="http://schemas.microsoft.com/office/drawing/2014/main" xmlns="" val="20005"/>
                     </a:ext>
                   </a:extLst>
                 </a:gridCol>
@@ -8168,7 +8173,7 @@
                 </a:tc>
                 <a:extLst>
                   <a:ext uri="{0D108BD9-81ED-4DB2-BD59-A6C34878D82A}">
-                    <a16:rowId xmlns="" xmlns:a16="http://schemas.microsoft.com/office/drawing/2014/main" val="10000"/>
+                    <a16:rowId xmlns:a16="http://schemas.microsoft.com/office/drawing/2014/main" xmlns="" val="10000"/>
                   </a:ext>
                 </a:extLst>
               </a:tr>
@@ -8336,7 +8341,7 @@
                 </a:tc>
                 <a:extLst>
                   <a:ext uri="{0D108BD9-81ED-4DB2-BD59-A6C34878D82A}">
-                    <a16:rowId xmlns="" xmlns:a16="http://schemas.microsoft.com/office/drawing/2014/main" val="10001"/>
+                    <a16:rowId xmlns:a16="http://schemas.microsoft.com/office/drawing/2014/main" xmlns="" val="10001"/>
                   </a:ext>
                 </a:extLst>
               </a:tr>
@@ -8476,7 +8481,7 @@
                 </a:tc>
                 <a:extLst>
                   <a:ext uri="{0D108BD9-81ED-4DB2-BD59-A6C34878D82A}">
-                    <a16:rowId xmlns="" xmlns:a16="http://schemas.microsoft.com/office/drawing/2014/main" val="10002"/>
+                    <a16:rowId xmlns:a16="http://schemas.microsoft.com/office/drawing/2014/main" xmlns="" val="10002"/>
                   </a:ext>
                 </a:extLst>
               </a:tr>
@@ -8703,35 +8708,35 @@
                 <a:gridCol w="1418828">
                   <a:extLst>
                     <a:ext uri="{9D8B030D-6E8A-4147-A177-3AD203B41FA5}">
-                      <a16:colId xmlns="" xmlns:a16="http://schemas.microsoft.com/office/drawing/2014/main" val="20000"/>
+                      <a16:colId xmlns:a16="http://schemas.microsoft.com/office/drawing/2014/main" xmlns="" val="20000"/>
                     </a:ext>
                   </a:extLst>
                 </a:gridCol>
                 <a:gridCol w="2034514">
                   <a:extLst>
                     <a:ext uri="{9D8B030D-6E8A-4147-A177-3AD203B41FA5}">
-                      <a16:colId xmlns="" xmlns:a16="http://schemas.microsoft.com/office/drawing/2014/main" val="20001"/>
+                      <a16:colId xmlns:a16="http://schemas.microsoft.com/office/drawing/2014/main" xmlns="" val="20001"/>
                     </a:ext>
                   </a:extLst>
                 </a:gridCol>
                 <a:gridCol w="1726671">
                   <a:extLst>
                     <a:ext uri="{9D8B030D-6E8A-4147-A177-3AD203B41FA5}">
-                      <a16:colId xmlns="" xmlns:a16="http://schemas.microsoft.com/office/drawing/2014/main" val="20002"/>
+                      <a16:colId xmlns:a16="http://schemas.microsoft.com/office/drawing/2014/main" xmlns="" val="20002"/>
                     </a:ext>
                   </a:extLst>
                 </a:gridCol>
                 <a:gridCol w="2448272">
                   <a:extLst>
                     <a:ext uri="{9D8B030D-6E8A-4147-A177-3AD203B41FA5}">
-                      <a16:colId xmlns="" xmlns:a16="http://schemas.microsoft.com/office/drawing/2014/main" val="20003"/>
+                      <a16:colId xmlns:a16="http://schemas.microsoft.com/office/drawing/2014/main" xmlns="" val="20003"/>
                     </a:ext>
                   </a:extLst>
                 </a:gridCol>
                 <a:gridCol w="2028430">
                   <a:extLst>
                     <a:ext uri="{9D8B030D-6E8A-4147-A177-3AD203B41FA5}">
-                      <a16:colId xmlns="" xmlns:a16="http://schemas.microsoft.com/office/drawing/2014/main" val="20004"/>
+                      <a16:colId xmlns:a16="http://schemas.microsoft.com/office/drawing/2014/main" xmlns="" val="20004"/>
                     </a:ext>
                   </a:extLst>
                 </a:gridCol>
@@ -8865,7 +8870,7 @@
                 </a:tc>
                 <a:extLst>
                   <a:ext uri="{0D108BD9-81ED-4DB2-BD59-A6C34878D82A}">
-                    <a16:rowId xmlns="" xmlns:a16="http://schemas.microsoft.com/office/drawing/2014/main" val="10000"/>
+                    <a16:rowId xmlns:a16="http://schemas.microsoft.com/office/drawing/2014/main" xmlns="" val="10000"/>
                   </a:ext>
                 </a:extLst>
               </a:tr>
@@ -9132,7 +9137,7 @@
                 </a:tc>
                 <a:extLst>
                   <a:ext uri="{0D108BD9-81ED-4DB2-BD59-A6C34878D82A}">
-                    <a16:rowId xmlns="" xmlns:a16="http://schemas.microsoft.com/office/drawing/2014/main" val="10001"/>
+                    <a16:rowId xmlns:a16="http://schemas.microsoft.com/office/drawing/2014/main" xmlns="" val="10001"/>
                   </a:ext>
                 </a:extLst>
               </a:tr>
@@ -9308,7 +9313,7 @@
                 </a:tc>
                 <a:extLst>
                   <a:ext uri="{0D108BD9-81ED-4DB2-BD59-A6C34878D82A}">
-                    <a16:rowId xmlns="" xmlns:a16="http://schemas.microsoft.com/office/drawing/2014/main" val="10002"/>
+                    <a16:rowId xmlns:a16="http://schemas.microsoft.com/office/drawing/2014/main" xmlns="" val="10002"/>
                   </a:ext>
                 </a:extLst>
               </a:tr>
@@ -9504,7 +9509,7 @@
                 </a:tc>
                 <a:extLst>
                   <a:ext uri="{0D108BD9-81ED-4DB2-BD59-A6C34878D82A}">
-                    <a16:rowId xmlns="" xmlns:a16="http://schemas.microsoft.com/office/drawing/2014/main" val="10003"/>
+                    <a16:rowId xmlns:a16="http://schemas.microsoft.com/office/drawing/2014/main" xmlns="" val="10003"/>
                   </a:ext>
                 </a:extLst>
               </a:tr>
@@ -9893,13 +9898,13 @@
   <p:clrMapOvr>
     <a:masterClrMapping/>
   </p:clrMapOvr>
-  <mc:AlternateContent xmlns:mc="http://schemas.openxmlformats.org/markup-compatibility/2006">
-    <mc:Choice xmlns:p14="http://schemas.microsoft.com/office/powerpoint/2010/main" Requires="p14">
+  <mc:AlternateContent xmlns:mc="http://schemas.openxmlformats.org/markup-compatibility/2006" xmlns:p14="http://schemas.microsoft.com/office/powerpoint/2010/main">
+    <mc:Choice Requires="p14">
       <p:transition spd="med" p14:dur="700">
         <p:fade/>
       </p:transition>
     </mc:Choice>
-    <mc:Fallback>
+    <mc:Fallback xmlns="">
       <p:transition spd="med">
         <p:fade/>
       </p:transition>
@@ -10548,13 +10553,13 @@
   <p:clrMapOvr>
     <a:masterClrMapping/>
   </p:clrMapOvr>
-  <mc:AlternateContent xmlns:mc="http://schemas.openxmlformats.org/markup-compatibility/2006">
-    <mc:Choice xmlns:p14="http://schemas.microsoft.com/office/powerpoint/2010/main" Requires="p14">
+  <mc:AlternateContent xmlns:mc="http://schemas.openxmlformats.org/markup-compatibility/2006" xmlns:p14="http://schemas.microsoft.com/office/powerpoint/2010/main">
+    <mc:Choice Requires="p14">
       <p:transition spd="med" p14:dur="700">
         <p:fade/>
       </p:transition>
     </mc:Choice>
-    <mc:Fallback>
+    <mc:Fallback xmlns="">
       <p:transition spd="med">
         <p:fade/>
       </p:transition>
@@ -10918,13 +10923,13 @@
   <p:clrMapOvr>
     <a:masterClrMapping/>
   </p:clrMapOvr>
-  <mc:AlternateContent xmlns:mc="http://schemas.openxmlformats.org/markup-compatibility/2006">
-    <mc:Choice xmlns:p14="http://schemas.microsoft.com/office/powerpoint/2010/main" Requires="p14">
+  <mc:AlternateContent xmlns:mc="http://schemas.openxmlformats.org/markup-compatibility/2006" xmlns:p14="http://schemas.microsoft.com/office/powerpoint/2010/main">
+    <mc:Choice Requires="p14">
       <p:transition spd="med" p14:dur="700">
         <p:fade/>
       </p:transition>
     </mc:Choice>
-    <mc:Fallback>
+    <mc:Fallback xmlns="">
       <p:transition spd="med">
         <p:fade/>
       </p:transition>
@@ -11988,13 +11993,13 @@
   <p:clrMapOvr>
     <a:masterClrMapping/>
   </p:clrMapOvr>
-  <mc:AlternateContent xmlns:mc="http://schemas.openxmlformats.org/markup-compatibility/2006">
-    <mc:Choice xmlns:p14="http://schemas.microsoft.com/office/powerpoint/2010/main" Requires="p14">
+  <mc:AlternateContent xmlns:mc="http://schemas.openxmlformats.org/markup-compatibility/2006" xmlns:p14="http://schemas.microsoft.com/office/powerpoint/2010/main">
+    <mc:Choice Requires="p14">
       <p:transition spd="med" p14:dur="700">
         <p:fade/>
       </p:transition>
     </mc:Choice>
-    <mc:Fallback>
+    <mc:Fallback xmlns="">
       <p:transition spd="med">
         <p:fade/>
       </p:transition>
